--- a/ppt 16-9/1130.末世必有危险.pptx
+++ b/ppt 16-9/1130.末世必有危险.pptx
@@ -5,7 +5,7 @@
     <p:sldMasterId id="2147483648" r:id="rId1"/>
   </p:sldMasterIdLst>
   <p:sldIdLst>
-    <p:sldId id="614" r:id="rId2"/>
+    <p:sldId id="615" r:id="rId2"/>
   </p:sldIdLst>
   <p:sldSz cx="12192000" cy="6858000"/>
   <p:notesSz cx="6858000" cy="9144000"/>
@@ -129,7 +129,7 @@
           <p:cNvPr id="2" name="标题 1">
             <a:extLst>
               <a:ext uri="{FF2B5EF4-FFF2-40B4-BE49-F238E27FC236}">
-                <a16:creationId xmlns:a16="http://schemas.microsoft.com/office/drawing/2014/main" id="{D7C5E963-5067-4F67-7E4E-F38B09DF8EF3}"/>
+                <a16:creationId xmlns:a16="http://schemas.microsoft.com/office/drawing/2014/main" id="{C75A7F92-9E5C-1443-0E3A-BEAAD4D19D0D}"/>
               </a:ext>
             </a:extLst>
           </p:cNvPr>
@@ -166,7 +166,7 @@
           <p:cNvPr id="3" name="副标题 2">
             <a:extLst>
               <a:ext uri="{FF2B5EF4-FFF2-40B4-BE49-F238E27FC236}">
-                <a16:creationId xmlns:a16="http://schemas.microsoft.com/office/drawing/2014/main" id="{344C1C4E-5E70-1B65-201D-C0BCE482646E}"/>
+                <a16:creationId xmlns:a16="http://schemas.microsoft.com/office/drawing/2014/main" id="{15E02931-D458-9125-1C65-6C224E3EF282}"/>
               </a:ext>
             </a:extLst>
           </p:cNvPr>
@@ -236,7 +236,7 @@
           <p:cNvPr id="4" name="日期占位符 3">
             <a:extLst>
               <a:ext uri="{FF2B5EF4-FFF2-40B4-BE49-F238E27FC236}">
-                <a16:creationId xmlns:a16="http://schemas.microsoft.com/office/drawing/2014/main" id="{E55409AB-2B2F-C7EB-B9FC-C38F9B2FCCA1}"/>
+                <a16:creationId xmlns:a16="http://schemas.microsoft.com/office/drawing/2014/main" id="{185E6F26-D36A-D7AB-53F2-8F9DB975E0BA}"/>
               </a:ext>
             </a:extLst>
           </p:cNvPr>
@@ -252,7 +252,7 @@
           <a:bodyPr/>
           <a:lstStyle/>
           <a:p>
-            <a:fld id="{7AF0F447-3189-436C-8F1E-720EE4BF3C8A}" type="datetimeFigureOut">
+            <a:fld id="{FA9AC5F7-EDF7-48B8-BFE7-8675E71B7B3B}" type="datetimeFigureOut">
               <a:rPr lang="zh-CN" altLang="en-US" smtClean="0"/>
               <a:t>2024/3/10</a:t>
             </a:fld>
@@ -265,7 +265,7 @@
           <p:cNvPr id="5" name="页脚占位符 4">
             <a:extLst>
               <a:ext uri="{FF2B5EF4-FFF2-40B4-BE49-F238E27FC236}">
-                <a16:creationId xmlns:a16="http://schemas.microsoft.com/office/drawing/2014/main" id="{DAA082CB-2040-21E4-32E5-568B82AE04AE}"/>
+                <a16:creationId xmlns:a16="http://schemas.microsoft.com/office/drawing/2014/main" id="{6D5323BC-9700-48A7-1FF2-6ECACFD7BF82}"/>
               </a:ext>
             </a:extLst>
           </p:cNvPr>
@@ -290,7 +290,7 @@
           <p:cNvPr id="6" name="灯片编号占位符 5">
             <a:extLst>
               <a:ext uri="{FF2B5EF4-FFF2-40B4-BE49-F238E27FC236}">
-                <a16:creationId xmlns:a16="http://schemas.microsoft.com/office/drawing/2014/main" id="{992F1E4F-DC1F-8C0E-C004-062DFC30D25E}"/>
+                <a16:creationId xmlns:a16="http://schemas.microsoft.com/office/drawing/2014/main" id="{A51FDC9F-A1AC-7B7E-0285-9BB9855B4EE8}"/>
               </a:ext>
             </a:extLst>
           </p:cNvPr>
@@ -306,7 +306,7 @@
           <a:bodyPr/>
           <a:lstStyle/>
           <a:p>
-            <a:fld id="{3EA405C6-7F5D-43BD-9412-5BC4068B08D2}" type="slidenum">
+            <a:fld id="{08E15E15-063C-4F86-9CF6-B93B125AA6CF}" type="slidenum">
               <a:rPr lang="zh-CN" altLang="en-US" smtClean="0"/>
               <a:t>‹#›</a:t>
             </a:fld>
@@ -317,7 +317,7 @@
     </p:spTree>
     <p:extLst>
       <p:ext uri="{BB962C8B-B14F-4D97-AF65-F5344CB8AC3E}">
-        <p14:creationId xmlns:p14="http://schemas.microsoft.com/office/powerpoint/2010/main" val="3154767522"/>
+        <p14:creationId xmlns:p14="http://schemas.microsoft.com/office/powerpoint/2010/main" val="2438300617"/>
       </p:ext>
     </p:extLst>
   </p:cSld>
@@ -349,7 +349,7 @@
           <p:cNvPr id="2" name="标题 1">
             <a:extLst>
               <a:ext uri="{FF2B5EF4-FFF2-40B4-BE49-F238E27FC236}">
-                <a16:creationId xmlns:a16="http://schemas.microsoft.com/office/drawing/2014/main" id="{A1C86BB8-5711-7C7F-A114-0C72813CA45B}"/>
+                <a16:creationId xmlns:a16="http://schemas.microsoft.com/office/drawing/2014/main" id="{CA6B3FB2-9742-8B32-4DA8-B0B7B56CA2BA}"/>
               </a:ext>
             </a:extLst>
           </p:cNvPr>
@@ -377,7 +377,7 @@
           <p:cNvPr id="3" name="竖排文字占位符 2">
             <a:extLst>
               <a:ext uri="{FF2B5EF4-FFF2-40B4-BE49-F238E27FC236}">
-                <a16:creationId xmlns:a16="http://schemas.microsoft.com/office/drawing/2014/main" id="{3B5798AA-BB78-93B0-66CC-9DB7B3938E84}"/>
+                <a16:creationId xmlns:a16="http://schemas.microsoft.com/office/drawing/2014/main" id="{85C34EF0-1EB6-031F-F916-50F3A8A8CEDF}"/>
               </a:ext>
             </a:extLst>
           </p:cNvPr>
@@ -434,7 +434,7 @@
           <p:cNvPr id="4" name="日期占位符 3">
             <a:extLst>
               <a:ext uri="{FF2B5EF4-FFF2-40B4-BE49-F238E27FC236}">
-                <a16:creationId xmlns:a16="http://schemas.microsoft.com/office/drawing/2014/main" id="{D22DFDCD-6132-2BF9-BBB9-F72019741148}"/>
+                <a16:creationId xmlns:a16="http://schemas.microsoft.com/office/drawing/2014/main" id="{310268C2-941F-4339-FD27-5B5D1358FACF}"/>
               </a:ext>
             </a:extLst>
           </p:cNvPr>
@@ -450,7 +450,7 @@
           <a:bodyPr/>
           <a:lstStyle/>
           <a:p>
-            <a:fld id="{7AF0F447-3189-436C-8F1E-720EE4BF3C8A}" type="datetimeFigureOut">
+            <a:fld id="{FA9AC5F7-EDF7-48B8-BFE7-8675E71B7B3B}" type="datetimeFigureOut">
               <a:rPr lang="zh-CN" altLang="en-US" smtClean="0"/>
               <a:t>2024/3/10</a:t>
             </a:fld>
@@ -463,7 +463,7 @@
           <p:cNvPr id="5" name="页脚占位符 4">
             <a:extLst>
               <a:ext uri="{FF2B5EF4-FFF2-40B4-BE49-F238E27FC236}">
-                <a16:creationId xmlns:a16="http://schemas.microsoft.com/office/drawing/2014/main" id="{6B531C3A-771E-8301-A1B6-82A6F775B9CC}"/>
+                <a16:creationId xmlns:a16="http://schemas.microsoft.com/office/drawing/2014/main" id="{280F80D3-AAD4-44AE-624C-D246798500C5}"/>
               </a:ext>
             </a:extLst>
           </p:cNvPr>
@@ -488,7 +488,7 @@
           <p:cNvPr id="6" name="灯片编号占位符 5">
             <a:extLst>
               <a:ext uri="{FF2B5EF4-FFF2-40B4-BE49-F238E27FC236}">
-                <a16:creationId xmlns:a16="http://schemas.microsoft.com/office/drawing/2014/main" id="{F769F32E-C028-FF99-09E9-7E2E276B89F0}"/>
+                <a16:creationId xmlns:a16="http://schemas.microsoft.com/office/drawing/2014/main" id="{D75723C8-79BE-7230-200E-7897C383ABB5}"/>
               </a:ext>
             </a:extLst>
           </p:cNvPr>
@@ -504,7 +504,7 @@
           <a:bodyPr/>
           <a:lstStyle/>
           <a:p>
-            <a:fld id="{3EA405C6-7F5D-43BD-9412-5BC4068B08D2}" type="slidenum">
+            <a:fld id="{08E15E15-063C-4F86-9CF6-B93B125AA6CF}" type="slidenum">
               <a:rPr lang="zh-CN" altLang="en-US" smtClean="0"/>
               <a:t>‹#›</a:t>
             </a:fld>
@@ -515,7 +515,7 @@
     </p:spTree>
     <p:extLst>
       <p:ext uri="{BB962C8B-B14F-4D97-AF65-F5344CB8AC3E}">
-        <p14:creationId xmlns:p14="http://schemas.microsoft.com/office/powerpoint/2010/main" val="60924666"/>
+        <p14:creationId xmlns:p14="http://schemas.microsoft.com/office/powerpoint/2010/main" val="2646485191"/>
       </p:ext>
     </p:extLst>
   </p:cSld>
@@ -547,7 +547,7 @@
           <p:cNvPr id="2" name="竖排标题 1">
             <a:extLst>
               <a:ext uri="{FF2B5EF4-FFF2-40B4-BE49-F238E27FC236}">
-                <a16:creationId xmlns:a16="http://schemas.microsoft.com/office/drawing/2014/main" id="{D7361DF5-4C46-94A4-2E83-D303811061BE}"/>
+                <a16:creationId xmlns:a16="http://schemas.microsoft.com/office/drawing/2014/main" id="{946F36AE-1A50-AD7B-B140-47AE3163B9C0}"/>
               </a:ext>
             </a:extLst>
           </p:cNvPr>
@@ -580,7 +580,7 @@
           <p:cNvPr id="3" name="竖排文字占位符 2">
             <a:extLst>
               <a:ext uri="{FF2B5EF4-FFF2-40B4-BE49-F238E27FC236}">
-                <a16:creationId xmlns:a16="http://schemas.microsoft.com/office/drawing/2014/main" id="{E27CD76E-36F5-A0F3-8A45-75FF7F159E8F}"/>
+                <a16:creationId xmlns:a16="http://schemas.microsoft.com/office/drawing/2014/main" id="{38CB14F8-7100-6CD5-2261-D330AAEA669A}"/>
               </a:ext>
             </a:extLst>
           </p:cNvPr>
@@ -642,7 +642,7 @@
           <p:cNvPr id="4" name="日期占位符 3">
             <a:extLst>
               <a:ext uri="{FF2B5EF4-FFF2-40B4-BE49-F238E27FC236}">
-                <a16:creationId xmlns:a16="http://schemas.microsoft.com/office/drawing/2014/main" id="{97E88575-F630-D5B2-BFB3-DE477B95967C}"/>
+                <a16:creationId xmlns:a16="http://schemas.microsoft.com/office/drawing/2014/main" id="{CDF70B90-D571-3A76-BA8B-C3B09BAD4E2B}"/>
               </a:ext>
             </a:extLst>
           </p:cNvPr>
@@ -658,7 +658,7 @@
           <a:bodyPr/>
           <a:lstStyle/>
           <a:p>
-            <a:fld id="{7AF0F447-3189-436C-8F1E-720EE4BF3C8A}" type="datetimeFigureOut">
+            <a:fld id="{FA9AC5F7-EDF7-48B8-BFE7-8675E71B7B3B}" type="datetimeFigureOut">
               <a:rPr lang="zh-CN" altLang="en-US" smtClean="0"/>
               <a:t>2024/3/10</a:t>
             </a:fld>
@@ -671,7 +671,7 @@
           <p:cNvPr id="5" name="页脚占位符 4">
             <a:extLst>
               <a:ext uri="{FF2B5EF4-FFF2-40B4-BE49-F238E27FC236}">
-                <a16:creationId xmlns:a16="http://schemas.microsoft.com/office/drawing/2014/main" id="{F64B9B50-007E-9905-B6E6-DF3322AEB9BE}"/>
+                <a16:creationId xmlns:a16="http://schemas.microsoft.com/office/drawing/2014/main" id="{37E4C753-3900-2A76-7FBD-B0FF5618B66B}"/>
               </a:ext>
             </a:extLst>
           </p:cNvPr>
@@ -696,7 +696,7 @@
           <p:cNvPr id="6" name="灯片编号占位符 5">
             <a:extLst>
               <a:ext uri="{FF2B5EF4-FFF2-40B4-BE49-F238E27FC236}">
-                <a16:creationId xmlns:a16="http://schemas.microsoft.com/office/drawing/2014/main" id="{48FA05B7-7468-781F-D10C-58E583844578}"/>
+                <a16:creationId xmlns:a16="http://schemas.microsoft.com/office/drawing/2014/main" id="{53F6CD78-FD43-FD20-F27A-CD6D010EA568}"/>
               </a:ext>
             </a:extLst>
           </p:cNvPr>
@@ -712,7 +712,7 @@
           <a:bodyPr/>
           <a:lstStyle/>
           <a:p>
-            <a:fld id="{3EA405C6-7F5D-43BD-9412-5BC4068B08D2}" type="slidenum">
+            <a:fld id="{08E15E15-063C-4F86-9CF6-B93B125AA6CF}" type="slidenum">
               <a:rPr lang="zh-CN" altLang="en-US" smtClean="0"/>
               <a:t>‹#›</a:t>
             </a:fld>
@@ -723,7 +723,7 @@
     </p:spTree>
     <p:extLst>
       <p:ext uri="{BB962C8B-B14F-4D97-AF65-F5344CB8AC3E}">
-        <p14:creationId xmlns:p14="http://schemas.microsoft.com/office/powerpoint/2010/main" val="930827837"/>
+        <p14:creationId xmlns:p14="http://schemas.microsoft.com/office/powerpoint/2010/main" val="3988233036"/>
       </p:ext>
     </p:extLst>
   </p:cSld>
@@ -755,7 +755,7 @@
           <p:cNvPr id="2" name="标题 1">
             <a:extLst>
               <a:ext uri="{FF2B5EF4-FFF2-40B4-BE49-F238E27FC236}">
-                <a16:creationId xmlns:a16="http://schemas.microsoft.com/office/drawing/2014/main" id="{4425EABC-1414-221C-DE99-C7DFEDA3960D}"/>
+                <a16:creationId xmlns:a16="http://schemas.microsoft.com/office/drawing/2014/main" id="{1B0F0927-CAA7-FCF1-4365-2C9BEF225EFB}"/>
               </a:ext>
             </a:extLst>
           </p:cNvPr>
@@ -783,7 +783,7 @@
           <p:cNvPr id="3" name="内容占位符 2">
             <a:extLst>
               <a:ext uri="{FF2B5EF4-FFF2-40B4-BE49-F238E27FC236}">
-                <a16:creationId xmlns:a16="http://schemas.microsoft.com/office/drawing/2014/main" id="{B9D285BC-22C0-2BAE-6460-3AACF2EF2E9B}"/>
+                <a16:creationId xmlns:a16="http://schemas.microsoft.com/office/drawing/2014/main" id="{D78CB637-E0C0-FFB0-4745-7297CE1AC957}"/>
               </a:ext>
             </a:extLst>
           </p:cNvPr>
@@ -840,7 +840,7 @@
           <p:cNvPr id="4" name="日期占位符 3">
             <a:extLst>
               <a:ext uri="{FF2B5EF4-FFF2-40B4-BE49-F238E27FC236}">
-                <a16:creationId xmlns:a16="http://schemas.microsoft.com/office/drawing/2014/main" id="{B691EE86-5231-A44E-F1B7-FA79BFCFDE1D}"/>
+                <a16:creationId xmlns:a16="http://schemas.microsoft.com/office/drawing/2014/main" id="{88CC732F-1A7E-D60A-9DF2-A1D0ED07455E}"/>
               </a:ext>
             </a:extLst>
           </p:cNvPr>
@@ -856,7 +856,7 @@
           <a:bodyPr/>
           <a:lstStyle/>
           <a:p>
-            <a:fld id="{7AF0F447-3189-436C-8F1E-720EE4BF3C8A}" type="datetimeFigureOut">
+            <a:fld id="{FA9AC5F7-EDF7-48B8-BFE7-8675E71B7B3B}" type="datetimeFigureOut">
               <a:rPr lang="zh-CN" altLang="en-US" smtClean="0"/>
               <a:t>2024/3/10</a:t>
             </a:fld>
@@ -869,7 +869,7 @@
           <p:cNvPr id="5" name="页脚占位符 4">
             <a:extLst>
               <a:ext uri="{FF2B5EF4-FFF2-40B4-BE49-F238E27FC236}">
-                <a16:creationId xmlns:a16="http://schemas.microsoft.com/office/drawing/2014/main" id="{DD8596A1-0430-6444-FD30-F7F5600F834B}"/>
+                <a16:creationId xmlns:a16="http://schemas.microsoft.com/office/drawing/2014/main" id="{01CFDC77-E979-FD7C-6135-1386A1A33DBC}"/>
               </a:ext>
             </a:extLst>
           </p:cNvPr>
@@ -894,7 +894,7 @@
           <p:cNvPr id="6" name="灯片编号占位符 5">
             <a:extLst>
               <a:ext uri="{FF2B5EF4-FFF2-40B4-BE49-F238E27FC236}">
-                <a16:creationId xmlns:a16="http://schemas.microsoft.com/office/drawing/2014/main" id="{490EFB5B-CBD6-BE38-4ED3-CFD0DAB69849}"/>
+                <a16:creationId xmlns:a16="http://schemas.microsoft.com/office/drawing/2014/main" id="{95C217E8-18C0-A562-7562-48C1CAD12699}"/>
               </a:ext>
             </a:extLst>
           </p:cNvPr>
@@ -910,7 +910,7 @@
           <a:bodyPr/>
           <a:lstStyle/>
           <a:p>
-            <a:fld id="{3EA405C6-7F5D-43BD-9412-5BC4068B08D2}" type="slidenum">
+            <a:fld id="{08E15E15-063C-4F86-9CF6-B93B125AA6CF}" type="slidenum">
               <a:rPr lang="zh-CN" altLang="en-US" smtClean="0"/>
               <a:t>‹#›</a:t>
             </a:fld>
@@ -921,7 +921,7 @@
     </p:spTree>
     <p:extLst>
       <p:ext uri="{BB962C8B-B14F-4D97-AF65-F5344CB8AC3E}">
-        <p14:creationId xmlns:p14="http://schemas.microsoft.com/office/powerpoint/2010/main" val="2858903381"/>
+        <p14:creationId xmlns:p14="http://schemas.microsoft.com/office/powerpoint/2010/main" val="2645095852"/>
       </p:ext>
     </p:extLst>
   </p:cSld>
@@ -953,7 +953,7 @@
           <p:cNvPr id="2" name="标题 1">
             <a:extLst>
               <a:ext uri="{FF2B5EF4-FFF2-40B4-BE49-F238E27FC236}">
-                <a16:creationId xmlns:a16="http://schemas.microsoft.com/office/drawing/2014/main" id="{12DC06BF-0E72-F8A7-2E45-6CFED61A94C8}"/>
+                <a16:creationId xmlns:a16="http://schemas.microsoft.com/office/drawing/2014/main" id="{7E725D45-E5BF-DB33-B29A-5710FD163267}"/>
               </a:ext>
             </a:extLst>
           </p:cNvPr>
@@ -990,7 +990,7 @@
           <p:cNvPr id="3" name="文本占位符 2">
             <a:extLst>
               <a:ext uri="{FF2B5EF4-FFF2-40B4-BE49-F238E27FC236}">
-                <a16:creationId xmlns:a16="http://schemas.microsoft.com/office/drawing/2014/main" id="{6EDDAFE3-A720-97BA-8D94-230C49ED0D03}"/>
+                <a16:creationId xmlns:a16="http://schemas.microsoft.com/office/drawing/2014/main" id="{36381E2D-66A6-67B7-7EEA-8E07E9A4EB73}"/>
               </a:ext>
             </a:extLst>
           </p:cNvPr>
@@ -1115,7 +1115,7 @@
           <p:cNvPr id="4" name="日期占位符 3">
             <a:extLst>
               <a:ext uri="{FF2B5EF4-FFF2-40B4-BE49-F238E27FC236}">
-                <a16:creationId xmlns:a16="http://schemas.microsoft.com/office/drawing/2014/main" id="{1B68E328-C458-78A3-914C-9E475EE8FCB8}"/>
+                <a16:creationId xmlns:a16="http://schemas.microsoft.com/office/drawing/2014/main" id="{B2E0033B-2F32-5A5C-9CAC-EF8235DB8F3B}"/>
               </a:ext>
             </a:extLst>
           </p:cNvPr>
@@ -1131,7 +1131,7 @@
           <a:bodyPr/>
           <a:lstStyle/>
           <a:p>
-            <a:fld id="{7AF0F447-3189-436C-8F1E-720EE4BF3C8A}" type="datetimeFigureOut">
+            <a:fld id="{FA9AC5F7-EDF7-48B8-BFE7-8675E71B7B3B}" type="datetimeFigureOut">
               <a:rPr lang="zh-CN" altLang="en-US" smtClean="0"/>
               <a:t>2024/3/10</a:t>
             </a:fld>
@@ -1144,7 +1144,7 @@
           <p:cNvPr id="5" name="页脚占位符 4">
             <a:extLst>
               <a:ext uri="{FF2B5EF4-FFF2-40B4-BE49-F238E27FC236}">
-                <a16:creationId xmlns:a16="http://schemas.microsoft.com/office/drawing/2014/main" id="{1B55AD8B-1740-780A-FBDF-156F7C63C54C}"/>
+                <a16:creationId xmlns:a16="http://schemas.microsoft.com/office/drawing/2014/main" id="{E26612E9-240E-93A6-F7EC-D15FA2FD9478}"/>
               </a:ext>
             </a:extLst>
           </p:cNvPr>
@@ -1169,7 +1169,7 @@
           <p:cNvPr id="6" name="灯片编号占位符 5">
             <a:extLst>
               <a:ext uri="{FF2B5EF4-FFF2-40B4-BE49-F238E27FC236}">
-                <a16:creationId xmlns:a16="http://schemas.microsoft.com/office/drawing/2014/main" id="{21A193A6-422A-1AC8-AA8A-A1FDD536A026}"/>
+                <a16:creationId xmlns:a16="http://schemas.microsoft.com/office/drawing/2014/main" id="{92BE98B0-2FD7-DE9D-F565-4A5C39A6DC85}"/>
               </a:ext>
             </a:extLst>
           </p:cNvPr>
@@ -1185,7 +1185,7 @@
           <a:bodyPr/>
           <a:lstStyle/>
           <a:p>
-            <a:fld id="{3EA405C6-7F5D-43BD-9412-5BC4068B08D2}" type="slidenum">
+            <a:fld id="{08E15E15-063C-4F86-9CF6-B93B125AA6CF}" type="slidenum">
               <a:rPr lang="zh-CN" altLang="en-US" smtClean="0"/>
               <a:t>‹#›</a:t>
             </a:fld>
@@ -1196,7 +1196,7 @@
     </p:spTree>
     <p:extLst>
       <p:ext uri="{BB962C8B-B14F-4D97-AF65-F5344CB8AC3E}">
-        <p14:creationId xmlns:p14="http://schemas.microsoft.com/office/powerpoint/2010/main" val="937445175"/>
+        <p14:creationId xmlns:p14="http://schemas.microsoft.com/office/powerpoint/2010/main" val="677810264"/>
       </p:ext>
     </p:extLst>
   </p:cSld>
@@ -1228,7 +1228,7 @@
           <p:cNvPr id="2" name="标题 1">
             <a:extLst>
               <a:ext uri="{FF2B5EF4-FFF2-40B4-BE49-F238E27FC236}">
-                <a16:creationId xmlns:a16="http://schemas.microsoft.com/office/drawing/2014/main" id="{78B90D52-10BC-DBFB-9499-54C7E91773EE}"/>
+                <a16:creationId xmlns:a16="http://schemas.microsoft.com/office/drawing/2014/main" id="{2576665E-7538-5A26-C334-580635E965E8}"/>
               </a:ext>
             </a:extLst>
           </p:cNvPr>
@@ -1256,7 +1256,7 @@
           <p:cNvPr id="3" name="内容占位符 2">
             <a:extLst>
               <a:ext uri="{FF2B5EF4-FFF2-40B4-BE49-F238E27FC236}">
-                <a16:creationId xmlns:a16="http://schemas.microsoft.com/office/drawing/2014/main" id="{218579ED-BB4C-5E25-D987-50141A2F716E}"/>
+                <a16:creationId xmlns:a16="http://schemas.microsoft.com/office/drawing/2014/main" id="{3307EF92-3E24-72EB-07D8-888102D3ED65}"/>
               </a:ext>
             </a:extLst>
           </p:cNvPr>
@@ -1318,7 +1318,7 @@
           <p:cNvPr id="4" name="内容占位符 3">
             <a:extLst>
               <a:ext uri="{FF2B5EF4-FFF2-40B4-BE49-F238E27FC236}">
-                <a16:creationId xmlns:a16="http://schemas.microsoft.com/office/drawing/2014/main" id="{E9A7CAE7-6B1A-215A-DDE0-FD2A1E82DD89}"/>
+                <a16:creationId xmlns:a16="http://schemas.microsoft.com/office/drawing/2014/main" id="{DBEC7162-24B1-9AB8-E267-B228DE03E870}"/>
               </a:ext>
             </a:extLst>
           </p:cNvPr>
@@ -1380,7 +1380,7 @@
           <p:cNvPr id="5" name="日期占位符 4">
             <a:extLst>
               <a:ext uri="{FF2B5EF4-FFF2-40B4-BE49-F238E27FC236}">
-                <a16:creationId xmlns:a16="http://schemas.microsoft.com/office/drawing/2014/main" id="{7EB2AE57-DC5B-4C82-55F8-7D230335FFE9}"/>
+                <a16:creationId xmlns:a16="http://schemas.microsoft.com/office/drawing/2014/main" id="{6771D0F8-3CD8-D3C8-19A5-C3F11D733B66}"/>
               </a:ext>
             </a:extLst>
           </p:cNvPr>
@@ -1396,7 +1396,7 @@
           <a:bodyPr/>
           <a:lstStyle/>
           <a:p>
-            <a:fld id="{7AF0F447-3189-436C-8F1E-720EE4BF3C8A}" type="datetimeFigureOut">
+            <a:fld id="{FA9AC5F7-EDF7-48B8-BFE7-8675E71B7B3B}" type="datetimeFigureOut">
               <a:rPr lang="zh-CN" altLang="en-US" smtClean="0"/>
               <a:t>2024/3/10</a:t>
             </a:fld>
@@ -1409,7 +1409,7 @@
           <p:cNvPr id="6" name="页脚占位符 5">
             <a:extLst>
               <a:ext uri="{FF2B5EF4-FFF2-40B4-BE49-F238E27FC236}">
-                <a16:creationId xmlns:a16="http://schemas.microsoft.com/office/drawing/2014/main" id="{E1BEA1C8-A29B-54E6-C5E9-53B3CDAFB7E7}"/>
+                <a16:creationId xmlns:a16="http://schemas.microsoft.com/office/drawing/2014/main" id="{579CAAED-20C6-6C5E-1D49-C195ECFC1650}"/>
               </a:ext>
             </a:extLst>
           </p:cNvPr>
@@ -1434,7 +1434,7 @@
           <p:cNvPr id="7" name="灯片编号占位符 6">
             <a:extLst>
               <a:ext uri="{FF2B5EF4-FFF2-40B4-BE49-F238E27FC236}">
-                <a16:creationId xmlns:a16="http://schemas.microsoft.com/office/drawing/2014/main" id="{F941CD2F-F46D-21BB-48E9-E5E98A564D15}"/>
+                <a16:creationId xmlns:a16="http://schemas.microsoft.com/office/drawing/2014/main" id="{1C9A399C-236F-3B2C-6720-EF39A87CE72D}"/>
               </a:ext>
             </a:extLst>
           </p:cNvPr>
@@ -1450,7 +1450,7 @@
           <a:bodyPr/>
           <a:lstStyle/>
           <a:p>
-            <a:fld id="{3EA405C6-7F5D-43BD-9412-5BC4068B08D2}" type="slidenum">
+            <a:fld id="{08E15E15-063C-4F86-9CF6-B93B125AA6CF}" type="slidenum">
               <a:rPr lang="zh-CN" altLang="en-US" smtClean="0"/>
               <a:t>‹#›</a:t>
             </a:fld>
@@ -1461,7 +1461,7 @@
     </p:spTree>
     <p:extLst>
       <p:ext uri="{BB962C8B-B14F-4D97-AF65-F5344CB8AC3E}">
-        <p14:creationId xmlns:p14="http://schemas.microsoft.com/office/powerpoint/2010/main" val="1554124889"/>
+        <p14:creationId xmlns:p14="http://schemas.microsoft.com/office/powerpoint/2010/main" val="159721192"/>
       </p:ext>
     </p:extLst>
   </p:cSld>
@@ -1493,7 +1493,7 @@
           <p:cNvPr id="2" name="标题 1">
             <a:extLst>
               <a:ext uri="{FF2B5EF4-FFF2-40B4-BE49-F238E27FC236}">
-                <a16:creationId xmlns:a16="http://schemas.microsoft.com/office/drawing/2014/main" id="{676A0C1B-F98F-AE73-A0C4-D132D4E744BB}"/>
+                <a16:creationId xmlns:a16="http://schemas.microsoft.com/office/drawing/2014/main" id="{D7F74974-0ACE-867B-55E7-4ED8B9D82E67}"/>
               </a:ext>
             </a:extLst>
           </p:cNvPr>
@@ -1526,7 +1526,7 @@
           <p:cNvPr id="3" name="文本占位符 2">
             <a:extLst>
               <a:ext uri="{FF2B5EF4-FFF2-40B4-BE49-F238E27FC236}">
-                <a16:creationId xmlns:a16="http://schemas.microsoft.com/office/drawing/2014/main" id="{0720A096-3377-38A0-FF75-332346052905}"/>
+                <a16:creationId xmlns:a16="http://schemas.microsoft.com/office/drawing/2014/main" id="{130DA2C8-8552-DB5B-CE10-6E5B69D3FEDB}"/>
               </a:ext>
             </a:extLst>
           </p:cNvPr>
@@ -1597,7 +1597,7 @@
           <p:cNvPr id="4" name="内容占位符 3">
             <a:extLst>
               <a:ext uri="{FF2B5EF4-FFF2-40B4-BE49-F238E27FC236}">
-                <a16:creationId xmlns:a16="http://schemas.microsoft.com/office/drawing/2014/main" id="{77E82FEF-4428-BA21-9917-82A6D15F3E3C}"/>
+                <a16:creationId xmlns:a16="http://schemas.microsoft.com/office/drawing/2014/main" id="{1B5FEBA2-07F9-8760-892D-D4E0DD55C106}"/>
               </a:ext>
             </a:extLst>
           </p:cNvPr>
@@ -1659,7 +1659,7 @@
           <p:cNvPr id="5" name="文本占位符 4">
             <a:extLst>
               <a:ext uri="{FF2B5EF4-FFF2-40B4-BE49-F238E27FC236}">
-                <a16:creationId xmlns:a16="http://schemas.microsoft.com/office/drawing/2014/main" id="{4BEE3429-A5E9-862C-9BFC-0BA600A90A1B}"/>
+                <a16:creationId xmlns:a16="http://schemas.microsoft.com/office/drawing/2014/main" id="{599BF79E-9987-5A9E-A5EF-9B9FCE1DE008}"/>
               </a:ext>
             </a:extLst>
           </p:cNvPr>
@@ -1730,7 +1730,7 @@
           <p:cNvPr id="6" name="内容占位符 5">
             <a:extLst>
               <a:ext uri="{FF2B5EF4-FFF2-40B4-BE49-F238E27FC236}">
-                <a16:creationId xmlns:a16="http://schemas.microsoft.com/office/drawing/2014/main" id="{166F143B-A0C8-97F5-837E-BFE3C651E801}"/>
+                <a16:creationId xmlns:a16="http://schemas.microsoft.com/office/drawing/2014/main" id="{1684470D-4E9C-5DB4-7DA6-2895F3C5AA8B}"/>
               </a:ext>
             </a:extLst>
           </p:cNvPr>
@@ -1792,7 +1792,7 @@
           <p:cNvPr id="7" name="日期占位符 6">
             <a:extLst>
               <a:ext uri="{FF2B5EF4-FFF2-40B4-BE49-F238E27FC236}">
-                <a16:creationId xmlns:a16="http://schemas.microsoft.com/office/drawing/2014/main" id="{FDD47159-6A39-8EB9-A65E-5513836BCBA1}"/>
+                <a16:creationId xmlns:a16="http://schemas.microsoft.com/office/drawing/2014/main" id="{E891AF44-3178-63F4-5B8E-FC2257A9890F}"/>
               </a:ext>
             </a:extLst>
           </p:cNvPr>
@@ -1808,7 +1808,7 @@
           <a:bodyPr/>
           <a:lstStyle/>
           <a:p>
-            <a:fld id="{7AF0F447-3189-436C-8F1E-720EE4BF3C8A}" type="datetimeFigureOut">
+            <a:fld id="{FA9AC5F7-EDF7-48B8-BFE7-8675E71B7B3B}" type="datetimeFigureOut">
               <a:rPr lang="zh-CN" altLang="en-US" smtClean="0"/>
               <a:t>2024/3/10</a:t>
             </a:fld>
@@ -1821,7 +1821,7 @@
           <p:cNvPr id="8" name="页脚占位符 7">
             <a:extLst>
               <a:ext uri="{FF2B5EF4-FFF2-40B4-BE49-F238E27FC236}">
-                <a16:creationId xmlns:a16="http://schemas.microsoft.com/office/drawing/2014/main" id="{477AE4A0-E8F2-732B-24A5-77C36B7C95DB}"/>
+                <a16:creationId xmlns:a16="http://schemas.microsoft.com/office/drawing/2014/main" id="{827C4748-C6C7-D924-B77C-1BF62A8D57EF}"/>
               </a:ext>
             </a:extLst>
           </p:cNvPr>
@@ -1846,7 +1846,7 @@
           <p:cNvPr id="9" name="灯片编号占位符 8">
             <a:extLst>
               <a:ext uri="{FF2B5EF4-FFF2-40B4-BE49-F238E27FC236}">
-                <a16:creationId xmlns:a16="http://schemas.microsoft.com/office/drawing/2014/main" id="{B829FDA6-DCE8-882A-720A-AD88F9478EA8}"/>
+                <a16:creationId xmlns:a16="http://schemas.microsoft.com/office/drawing/2014/main" id="{5E826FAD-7254-6711-0738-0D216DFE1E8B}"/>
               </a:ext>
             </a:extLst>
           </p:cNvPr>
@@ -1862,7 +1862,7 @@
           <a:bodyPr/>
           <a:lstStyle/>
           <a:p>
-            <a:fld id="{3EA405C6-7F5D-43BD-9412-5BC4068B08D2}" type="slidenum">
+            <a:fld id="{08E15E15-063C-4F86-9CF6-B93B125AA6CF}" type="slidenum">
               <a:rPr lang="zh-CN" altLang="en-US" smtClean="0"/>
               <a:t>‹#›</a:t>
             </a:fld>
@@ -1873,7 +1873,7 @@
     </p:spTree>
     <p:extLst>
       <p:ext uri="{BB962C8B-B14F-4D97-AF65-F5344CB8AC3E}">
-        <p14:creationId xmlns:p14="http://schemas.microsoft.com/office/powerpoint/2010/main" val="3654936007"/>
+        <p14:creationId xmlns:p14="http://schemas.microsoft.com/office/powerpoint/2010/main" val="626789002"/>
       </p:ext>
     </p:extLst>
   </p:cSld>
@@ -1905,7 +1905,7 @@
           <p:cNvPr id="2" name="标题 1">
             <a:extLst>
               <a:ext uri="{FF2B5EF4-FFF2-40B4-BE49-F238E27FC236}">
-                <a16:creationId xmlns:a16="http://schemas.microsoft.com/office/drawing/2014/main" id="{C7DDAC15-F591-3A02-4B39-B8086DE490C8}"/>
+                <a16:creationId xmlns:a16="http://schemas.microsoft.com/office/drawing/2014/main" id="{C55F9D99-FA1A-9E19-5F05-4EF8BB46D078}"/>
               </a:ext>
             </a:extLst>
           </p:cNvPr>
@@ -1933,7 +1933,7 @@
           <p:cNvPr id="3" name="日期占位符 2">
             <a:extLst>
               <a:ext uri="{FF2B5EF4-FFF2-40B4-BE49-F238E27FC236}">
-                <a16:creationId xmlns:a16="http://schemas.microsoft.com/office/drawing/2014/main" id="{80F306B0-FB4B-33A1-DEE2-DD1DF128869A}"/>
+                <a16:creationId xmlns:a16="http://schemas.microsoft.com/office/drawing/2014/main" id="{44421DD0-4A70-68D9-2703-ED40F1F292B8}"/>
               </a:ext>
             </a:extLst>
           </p:cNvPr>
@@ -1949,7 +1949,7 @@
           <a:bodyPr/>
           <a:lstStyle/>
           <a:p>
-            <a:fld id="{7AF0F447-3189-436C-8F1E-720EE4BF3C8A}" type="datetimeFigureOut">
+            <a:fld id="{FA9AC5F7-EDF7-48B8-BFE7-8675E71B7B3B}" type="datetimeFigureOut">
               <a:rPr lang="zh-CN" altLang="en-US" smtClean="0"/>
               <a:t>2024/3/10</a:t>
             </a:fld>
@@ -1962,7 +1962,7 @@
           <p:cNvPr id="4" name="页脚占位符 3">
             <a:extLst>
               <a:ext uri="{FF2B5EF4-FFF2-40B4-BE49-F238E27FC236}">
-                <a16:creationId xmlns:a16="http://schemas.microsoft.com/office/drawing/2014/main" id="{EDA5CAE6-BD0D-F5A2-B1FE-53BFDE8BABD7}"/>
+                <a16:creationId xmlns:a16="http://schemas.microsoft.com/office/drawing/2014/main" id="{6033E703-5002-BDBA-76FB-D825C71C8AC1}"/>
               </a:ext>
             </a:extLst>
           </p:cNvPr>
@@ -1987,7 +1987,7 @@
           <p:cNvPr id="5" name="灯片编号占位符 4">
             <a:extLst>
               <a:ext uri="{FF2B5EF4-FFF2-40B4-BE49-F238E27FC236}">
-                <a16:creationId xmlns:a16="http://schemas.microsoft.com/office/drawing/2014/main" id="{83B89A7B-2770-E875-51C2-94C7464B107E}"/>
+                <a16:creationId xmlns:a16="http://schemas.microsoft.com/office/drawing/2014/main" id="{38B4F915-C786-8E1D-6268-23F80947EE44}"/>
               </a:ext>
             </a:extLst>
           </p:cNvPr>
@@ -2003,7 +2003,7 @@
           <a:bodyPr/>
           <a:lstStyle/>
           <a:p>
-            <a:fld id="{3EA405C6-7F5D-43BD-9412-5BC4068B08D2}" type="slidenum">
+            <a:fld id="{08E15E15-063C-4F86-9CF6-B93B125AA6CF}" type="slidenum">
               <a:rPr lang="zh-CN" altLang="en-US" smtClean="0"/>
               <a:t>‹#›</a:t>
             </a:fld>
@@ -2014,7 +2014,7 @@
     </p:spTree>
     <p:extLst>
       <p:ext uri="{BB962C8B-B14F-4D97-AF65-F5344CB8AC3E}">
-        <p14:creationId xmlns:p14="http://schemas.microsoft.com/office/powerpoint/2010/main" val="883155087"/>
+        <p14:creationId xmlns:p14="http://schemas.microsoft.com/office/powerpoint/2010/main" val="857960531"/>
       </p:ext>
     </p:extLst>
   </p:cSld>
@@ -2046,7 +2046,7 @@
           <p:cNvPr id="2" name="日期占位符 1">
             <a:extLst>
               <a:ext uri="{FF2B5EF4-FFF2-40B4-BE49-F238E27FC236}">
-                <a16:creationId xmlns:a16="http://schemas.microsoft.com/office/drawing/2014/main" id="{7264637B-6F0F-904C-210D-031F7D84410D}"/>
+                <a16:creationId xmlns:a16="http://schemas.microsoft.com/office/drawing/2014/main" id="{AED12E25-4A29-C469-F719-F1DDEBF3C33E}"/>
               </a:ext>
             </a:extLst>
           </p:cNvPr>
@@ -2062,7 +2062,7 @@
           <a:bodyPr/>
           <a:lstStyle/>
           <a:p>
-            <a:fld id="{7AF0F447-3189-436C-8F1E-720EE4BF3C8A}" type="datetimeFigureOut">
+            <a:fld id="{FA9AC5F7-EDF7-48B8-BFE7-8675E71B7B3B}" type="datetimeFigureOut">
               <a:rPr lang="zh-CN" altLang="en-US" smtClean="0"/>
               <a:t>2024/3/10</a:t>
             </a:fld>
@@ -2075,7 +2075,7 @@
           <p:cNvPr id="3" name="页脚占位符 2">
             <a:extLst>
               <a:ext uri="{FF2B5EF4-FFF2-40B4-BE49-F238E27FC236}">
-                <a16:creationId xmlns:a16="http://schemas.microsoft.com/office/drawing/2014/main" id="{C223DEE2-A20D-B1DE-4616-2F93FE465168}"/>
+                <a16:creationId xmlns:a16="http://schemas.microsoft.com/office/drawing/2014/main" id="{A4AE173C-6B93-A722-8459-89BFFD274379}"/>
               </a:ext>
             </a:extLst>
           </p:cNvPr>
@@ -2100,7 +2100,7 @@
           <p:cNvPr id="4" name="灯片编号占位符 3">
             <a:extLst>
               <a:ext uri="{FF2B5EF4-FFF2-40B4-BE49-F238E27FC236}">
-                <a16:creationId xmlns:a16="http://schemas.microsoft.com/office/drawing/2014/main" id="{198BD88A-000E-6E6E-69B3-100B06D191BA}"/>
+                <a16:creationId xmlns:a16="http://schemas.microsoft.com/office/drawing/2014/main" id="{423CC2BD-CEB1-928D-A2EB-18D2B9E3D23E}"/>
               </a:ext>
             </a:extLst>
           </p:cNvPr>
@@ -2116,7 +2116,7 @@
           <a:bodyPr/>
           <a:lstStyle/>
           <a:p>
-            <a:fld id="{3EA405C6-7F5D-43BD-9412-5BC4068B08D2}" type="slidenum">
+            <a:fld id="{08E15E15-063C-4F86-9CF6-B93B125AA6CF}" type="slidenum">
               <a:rPr lang="zh-CN" altLang="en-US" smtClean="0"/>
               <a:t>‹#›</a:t>
             </a:fld>
@@ -2127,7 +2127,7 @@
     </p:spTree>
     <p:extLst>
       <p:ext uri="{BB962C8B-B14F-4D97-AF65-F5344CB8AC3E}">
-        <p14:creationId xmlns:p14="http://schemas.microsoft.com/office/powerpoint/2010/main" val="248726329"/>
+        <p14:creationId xmlns:p14="http://schemas.microsoft.com/office/powerpoint/2010/main" val="1921560951"/>
       </p:ext>
     </p:extLst>
   </p:cSld>
@@ -2159,7 +2159,7 @@
           <p:cNvPr id="2" name="标题 1">
             <a:extLst>
               <a:ext uri="{FF2B5EF4-FFF2-40B4-BE49-F238E27FC236}">
-                <a16:creationId xmlns:a16="http://schemas.microsoft.com/office/drawing/2014/main" id="{00F7730C-450C-1896-C4A4-E1785B83B967}"/>
+                <a16:creationId xmlns:a16="http://schemas.microsoft.com/office/drawing/2014/main" id="{52031AA2-3A20-EFD4-0746-95938F870348}"/>
               </a:ext>
             </a:extLst>
           </p:cNvPr>
@@ -2196,7 +2196,7 @@
           <p:cNvPr id="3" name="内容占位符 2">
             <a:extLst>
               <a:ext uri="{FF2B5EF4-FFF2-40B4-BE49-F238E27FC236}">
-                <a16:creationId xmlns:a16="http://schemas.microsoft.com/office/drawing/2014/main" id="{E0BEC068-8E40-1D9E-32F2-0EAAFF7DA2A5}"/>
+                <a16:creationId xmlns:a16="http://schemas.microsoft.com/office/drawing/2014/main" id="{1181A8A8-BBFD-4037-C528-DDE2BF488C35}"/>
               </a:ext>
             </a:extLst>
           </p:cNvPr>
@@ -2286,7 +2286,7 @@
           <p:cNvPr id="4" name="文本占位符 3">
             <a:extLst>
               <a:ext uri="{FF2B5EF4-FFF2-40B4-BE49-F238E27FC236}">
-                <a16:creationId xmlns:a16="http://schemas.microsoft.com/office/drawing/2014/main" id="{DF1E7B1C-E95E-971D-425E-16B7AB65B810}"/>
+                <a16:creationId xmlns:a16="http://schemas.microsoft.com/office/drawing/2014/main" id="{7A2339D6-BDD1-AD7D-7A60-7F4CEC7B942D}"/>
               </a:ext>
             </a:extLst>
           </p:cNvPr>
@@ -2357,7 +2357,7 @@
           <p:cNvPr id="5" name="日期占位符 4">
             <a:extLst>
               <a:ext uri="{FF2B5EF4-FFF2-40B4-BE49-F238E27FC236}">
-                <a16:creationId xmlns:a16="http://schemas.microsoft.com/office/drawing/2014/main" id="{C3656455-AF04-CAC2-1F94-F032D18991FC}"/>
+                <a16:creationId xmlns:a16="http://schemas.microsoft.com/office/drawing/2014/main" id="{17994222-9456-A923-50B3-6D539EC74259}"/>
               </a:ext>
             </a:extLst>
           </p:cNvPr>
@@ -2373,7 +2373,7 @@
           <a:bodyPr/>
           <a:lstStyle/>
           <a:p>
-            <a:fld id="{7AF0F447-3189-436C-8F1E-720EE4BF3C8A}" type="datetimeFigureOut">
+            <a:fld id="{FA9AC5F7-EDF7-48B8-BFE7-8675E71B7B3B}" type="datetimeFigureOut">
               <a:rPr lang="zh-CN" altLang="en-US" smtClean="0"/>
               <a:t>2024/3/10</a:t>
             </a:fld>
@@ -2386,7 +2386,7 @@
           <p:cNvPr id="6" name="页脚占位符 5">
             <a:extLst>
               <a:ext uri="{FF2B5EF4-FFF2-40B4-BE49-F238E27FC236}">
-                <a16:creationId xmlns:a16="http://schemas.microsoft.com/office/drawing/2014/main" id="{C7C8D29A-1D50-67FD-51C3-5FDEF2605179}"/>
+                <a16:creationId xmlns:a16="http://schemas.microsoft.com/office/drawing/2014/main" id="{E5D68F95-9530-398B-8A38-4E253C82AF34}"/>
               </a:ext>
             </a:extLst>
           </p:cNvPr>
@@ -2411,7 +2411,7 @@
           <p:cNvPr id="7" name="灯片编号占位符 6">
             <a:extLst>
               <a:ext uri="{FF2B5EF4-FFF2-40B4-BE49-F238E27FC236}">
-                <a16:creationId xmlns:a16="http://schemas.microsoft.com/office/drawing/2014/main" id="{74DD9B50-8762-CB26-EA6E-92A3D05ED8B5}"/>
+                <a16:creationId xmlns:a16="http://schemas.microsoft.com/office/drawing/2014/main" id="{6B697A1E-1865-C7CD-5282-326C0F0CE329}"/>
               </a:ext>
             </a:extLst>
           </p:cNvPr>
@@ -2427,7 +2427,7 @@
           <a:bodyPr/>
           <a:lstStyle/>
           <a:p>
-            <a:fld id="{3EA405C6-7F5D-43BD-9412-5BC4068B08D2}" type="slidenum">
+            <a:fld id="{08E15E15-063C-4F86-9CF6-B93B125AA6CF}" type="slidenum">
               <a:rPr lang="zh-CN" altLang="en-US" smtClean="0"/>
               <a:t>‹#›</a:t>
             </a:fld>
@@ -2438,7 +2438,7 @@
     </p:spTree>
     <p:extLst>
       <p:ext uri="{BB962C8B-B14F-4D97-AF65-F5344CB8AC3E}">
-        <p14:creationId xmlns:p14="http://schemas.microsoft.com/office/powerpoint/2010/main" val="1551507700"/>
+        <p14:creationId xmlns:p14="http://schemas.microsoft.com/office/powerpoint/2010/main" val="3740429924"/>
       </p:ext>
     </p:extLst>
   </p:cSld>
@@ -2470,7 +2470,7 @@
           <p:cNvPr id="2" name="标题 1">
             <a:extLst>
               <a:ext uri="{FF2B5EF4-FFF2-40B4-BE49-F238E27FC236}">
-                <a16:creationId xmlns:a16="http://schemas.microsoft.com/office/drawing/2014/main" id="{FC9900A1-C98F-5D7D-BAF4-8A4971D359D6}"/>
+                <a16:creationId xmlns:a16="http://schemas.microsoft.com/office/drawing/2014/main" id="{320BC3D7-78A5-EF28-C021-6263A9CCD8AC}"/>
               </a:ext>
             </a:extLst>
           </p:cNvPr>
@@ -2507,7 +2507,7 @@
           <p:cNvPr id="3" name="图片占位符 2">
             <a:extLst>
               <a:ext uri="{FF2B5EF4-FFF2-40B4-BE49-F238E27FC236}">
-                <a16:creationId xmlns:a16="http://schemas.microsoft.com/office/drawing/2014/main" id="{B35FD1E8-2237-DF9F-3F80-1B51509B4669}"/>
+                <a16:creationId xmlns:a16="http://schemas.microsoft.com/office/drawing/2014/main" id="{114E439B-EFD7-3EFD-1FBB-B2ABC32ADD80}"/>
               </a:ext>
             </a:extLst>
           </p:cNvPr>
@@ -2574,7 +2574,7 @@
           <p:cNvPr id="4" name="文本占位符 3">
             <a:extLst>
               <a:ext uri="{FF2B5EF4-FFF2-40B4-BE49-F238E27FC236}">
-                <a16:creationId xmlns:a16="http://schemas.microsoft.com/office/drawing/2014/main" id="{B8A08F39-1B07-A811-E7FB-716085B4AA45}"/>
+                <a16:creationId xmlns:a16="http://schemas.microsoft.com/office/drawing/2014/main" id="{C45D7F86-6471-D65E-D364-8806F465CE7A}"/>
               </a:ext>
             </a:extLst>
           </p:cNvPr>
@@ -2645,7 +2645,7 @@
           <p:cNvPr id="5" name="日期占位符 4">
             <a:extLst>
               <a:ext uri="{FF2B5EF4-FFF2-40B4-BE49-F238E27FC236}">
-                <a16:creationId xmlns:a16="http://schemas.microsoft.com/office/drawing/2014/main" id="{B7DB96C3-C9E5-F9F9-6037-2E4A422E8411}"/>
+                <a16:creationId xmlns:a16="http://schemas.microsoft.com/office/drawing/2014/main" id="{58C93EB5-B7E7-E66F-FB5D-42229EAA4859}"/>
               </a:ext>
             </a:extLst>
           </p:cNvPr>
@@ -2661,7 +2661,7 @@
           <a:bodyPr/>
           <a:lstStyle/>
           <a:p>
-            <a:fld id="{7AF0F447-3189-436C-8F1E-720EE4BF3C8A}" type="datetimeFigureOut">
+            <a:fld id="{FA9AC5F7-EDF7-48B8-BFE7-8675E71B7B3B}" type="datetimeFigureOut">
               <a:rPr lang="zh-CN" altLang="en-US" smtClean="0"/>
               <a:t>2024/3/10</a:t>
             </a:fld>
@@ -2674,7 +2674,7 @@
           <p:cNvPr id="6" name="页脚占位符 5">
             <a:extLst>
               <a:ext uri="{FF2B5EF4-FFF2-40B4-BE49-F238E27FC236}">
-                <a16:creationId xmlns:a16="http://schemas.microsoft.com/office/drawing/2014/main" id="{F97F7C07-29B9-21E4-0844-ED724B40BEEF}"/>
+                <a16:creationId xmlns:a16="http://schemas.microsoft.com/office/drawing/2014/main" id="{8FB05294-6E0A-3F20-DB75-B9DDE663E6D7}"/>
               </a:ext>
             </a:extLst>
           </p:cNvPr>
@@ -2699,7 +2699,7 @@
           <p:cNvPr id="7" name="灯片编号占位符 6">
             <a:extLst>
               <a:ext uri="{FF2B5EF4-FFF2-40B4-BE49-F238E27FC236}">
-                <a16:creationId xmlns:a16="http://schemas.microsoft.com/office/drawing/2014/main" id="{C9499B85-4421-1B8B-18BD-D7DC931F06A1}"/>
+                <a16:creationId xmlns:a16="http://schemas.microsoft.com/office/drawing/2014/main" id="{FEA8EC7F-7553-6C00-377B-2B5C2B4986BC}"/>
               </a:ext>
             </a:extLst>
           </p:cNvPr>
@@ -2715,7 +2715,7 @@
           <a:bodyPr/>
           <a:lstStyle/>
           <a:p>
-            <a:fld id="{3EA405C6-7F5D-43BD-9412-5BC4068B08D2}" type="slidenum">
+            <a:fld id="{08E15E15-063C-4F86-9CF6-B93B125AA6CF}" type="slidenum">
               <a:rPr lang="zh-CN" altLang="en-US" smtClean="0"/>
               <a:t>‹#›</a:t>
             </a:fld>
@@ -2726,7 +2726,7 @@
     </p:spTree>
     <p:extLst>
       <p:ext uri="{BB962C8B-B14F-4D97-AF65-F5344CB8AC3E}">
-        <p14:creationId xmlns:p14="http://schemas.microsoft.com/office/powerpoint/2010/main" val="3438425209"/>
+        <p14:creationId xmlns:p14="http://schemas.microsoft.com/office/powerpoint/2010/main" val="3549722735"/>
       </p:ext>
     </p:extLst>
   </p:cSld>
@@ -2763,7 +2763,7 @@
           <p:cNvPr id="2" name="标题占位符 1">
             <a:extLst>
               <a:ext uri="{FF2B5EF4-FFF2-40B4-BE49-F238E27FC236}">
-                <a16:creationId xmlns:a16="http://schemas.microsoft.com/office/drawing/2014/main" id="{831D17E4-4D9C-1468-43E2-EF040DDF6D49}"/>
+                <a16:creationId xmlns:a16="http://schemas.microsoft.com/office/drawing/2014/main" id="{318D7EBB-C5FA-DC7B-E2B0-FFB3AA32A383}"/>
               </a:ext>
             </a:extLst>
           </p:cNvPr>
@@ -2801,7 +2801,7 @@
           <p:cNvPr id="3" name="文本占位符 2">
             <a:extLst>
               <a:ext uri="{FF2B5EF4-FFF2-40B4-BE49-F238E27FC236}">
-                <a16:creationId xmlns:a16="http://schemas.microsoft.com/office/drawing/2014/main" id="{2BC34D45-A4C9-2064-ADE9-E8A9B4DDAFB8}"/>
+                <a16:creationId xmlns:a16="http://schemas.microsoft.com/office/drawing/2014/main" id="{C16D2BE9-D57C-9E9E-DAC8-A640401992C9}"/>
               </a:ext>
             </a:extLst>
           </p:cNvPr>
@@ -2868,7 +2868,7 @@
           <p:cNvPr id="4" name="日期占位符 3">
             <a:extLst>
               <a:ext uri="{FF2B5EF4-FFF2-40B4-BE49-F238E27FC236}">
-                <a16:creationId xmlns:a16="http://schemas.microsoft.com/office/drawing/2014/main" id="{FD5D8C34-2D7E-865F-372C-4A1A33CC703D}"/>
+                <a16:creationId xmlns:a16="http://schemas.microsoft.com/office/drawing/2014/main" id="{3FABF159-DC78-62B5-AEB3-101C2E65B7B2}"/>
               </a:ext>
             </a:extLst>
           </p:cNvPr>
@@ -2902,7 +2902,7 @@
             </a:lvl1pPr>
           </a:lstStyle>
           <a:p>
-            <a:fld id="{7AF0F447-3189-436C-8F1E-720EE4BF3C8A}" type="datetimeFigureOut">
+            <a:fld id="{FA9AC5F7-EDF7-48B8-BFE7-8675E71B7B3B}" type="datetimeFigureOut">
               <a:rPr lang="zh-CN" altLang="en-US" smtClean="0"/>
               <a:t>2024/3/10</a:t>
             </a:fld>
@@ -2915,7 +2915,7 @@
           <p:cNvPr id="5" name="页脚占位符 4">
             <a:extLst>
               <a:ext uri="{FF2B5EF4-FFF2-40B4-BE49-F238E27FC236}">
-                <a16:creationId xmlns:a16="http://schemas.microsoft.com/office/drawing/2014/main" id="{4FCAFBA8-C0D6-363E-8B4A-7549031D70F2}"/>
+                <a16:creationId xmlns:a16="http://schemas.microsoft.com/office/drawing/2014/main" id="{463A2FA7-3A20-E2F7-5651-B9DEB3DE3765}"/>
               </a:ext>
             </a:extLst>
           </p:cNvPr>
@@ -2958,7 +2958,7 @@
           <p:cNvPr id="6" name="灯片编号占位符 5">
             <a:extLst>
               <a:ext uri="{FF2B5EF4-FFF2-40B4-BE49-F238E27FC236}">
-                <a16:creationId xmlns:a16="http://schemas.microsoft.com/office/drawing/2014/main" id="{821BC3CF-3E97-5F76-C351-E0B77734BC37}"/>
+                <a16:creationId xmlns:a16="http://schemas.microsoft.com/office/drawing/2014/main" id="{D015182F-8E79-7D27-6A8D-18FF17C689C4}"/>
               </a:ext>
             </a:extLst>
           </p:cNvPr>
@@ -2992,7 +2992,7 @@
             </a:lvl1pPr>
           </a:lstStyle>
           <a:p>
-            <a:fld id="{3EA405C6-7F5D-43BD-9412-5BC4068B08D2}" type="slidenum">
+            <a:fld id="{08E15E15-063C-4F86-9CF6-B93B125AA6CF}" type="slidenum">
               <a:rPr lang="zh-CN" altLang="en-US" smtClean="0"/>
               <a:t>‹#›</a:t>
             </a:fld>
@@ -3003,7 +3003,7 @@
     </p:spTree>
     <p:extLst>
       <p:ext uri="{BB962C8B-B14F-4D97-AF65-F5344CB8AC3E}">
-        <p14:creationId xmlns:p14="http://schemas.microsoft.com/office/powerpoint/2010/main" val="512494942"/>
+        <p14:creationId xmlns:p14="http://schemas.microsoft.com/office/powerpoint/2010/main" val="503967256"/>
       </p:ext>
     </p:extLst>
   </p:cSld>
@@ -3323,7 +3323,7 @@
       </p:grpSpPr>
       <p:pic>
         <p:nvPicPr>
-          <p:cNvPr id="1157122" name="Picture 2" descr="1129"/>
+          <p:cNvPr id="1158146" name="Picture 2" descr="1130"/>
           <p:cNvPicPr>
             <a:picLocks noChangeAspect="1" noChangeArrowheads="1"/>
           </p:cNvPicPr>
@@ -3344,8 +3344,8 @@
         </p:blipFill>
         <p:spPr bwMode="auto">
           <a:xfrm>
-            <a:off x="1524000" y="1"/>
-            <a:ext cx="9144000" cy="5013325"/>
+            <a:off x="1524000" y="0"/>
+            <a:ext cx="9144000" cy="6858000"/>
           </a:xfrm>
           <a:prstGeom prst="rect">
             <a:avLst/>
@@ -3375,11 +3375,158 @@
           </a:extLst>
         </p:spPr>
       </p:pic>
+      <p:pic>
+        <p:nvPicPr>
+          <p:cNvPr id="1159171" name="Picture 3" descr="1130-2"/>
+          <p:cNvPicPr>
+            <a:picLocks noChangeAspect="1" noChangeArrowheads="1"/>
+          </p:cNvPicPr>
+          <p:nvPr/>
+        </p:nvPicPr>
+        <p:blipFill>
+          <a:blip r:embed="rId3">
+            <a:extLst>
+              <a:ext uri="{28A0092B-C50C-407E-A947-70E740481C1C}">
+                <a14:useLocalDpi xmlns:a14="http://schemas.microsoft.com/office/drawing/2010/main" val="0"/>
+              </a:ext>
+            </a:extLst>
+          </a:blip>
+          <a:srcRect/>
+          <a:stretch>
+            <a:fillRect/>
+          </a:stretch>
+        </p:blipFill>
+        <p:spPr bwMode="auto">
+          <a:xfrm>
+            <a:off x="1524000" y="0"/>
+            <a:ext cx="9144000" cy="6858000"/>
+          </a:xfrm>
+          <a:prstGeom prst="rect">
+            <a:avLst/>
+          </a:prstGeom>
+          <a:noFill/>
+          <a:ln>
+            <a:noFill/>
+          </a:ln>
+          <a:effectLst/>
+          <a:extLst>
+            <a:ext uri="{909E8E84-426E-40DD-AFC4-6F175D3DCCD1}">
+              <a14:hiddenFill xmlns:a14="http://schemas.microsoft.com/office/drawing/2010/main">
+                <a:solidFill>
+                  <a:srgbClr val="FFFFFF"/>
+                </a:solidFill>
+              </a14:hiddenFill>
+            </a:ext>
+            <a:ext uri="{91240B29-F687-4F45-9708-019B960494DF}">
+              <a14:hiddenLine xmlns:a14="http://schemas.microsoft.com/office/drawing/2010/main" w="9525">
+                <a:solidFill>
+                  <a:srgbClr val="000000"/>
+                </a:solidFill>
+                <a:miter lim="800000"/>
+                <a:headEnd/>
+                <a:tailEnd/>
+              </a14:hiddenLine>
+            </a:ext>
+            <a:ext uri="{AF507438-7753-43E0-B8FC-AC1667EBCBE1}">
+              <a14:hiddenEffects xmlns:a14="http://schemas.microsoft.com/office/drawing/2010/main">
+                <a:effectLst>
+                  <a:outerShdw dist="35921" dir="2700000" algn="ctr" rotWithShape="0">
+                    <a:srgbClr val="808080"/>
+                  </a:outerShdw>
+                </a:effectLst>
+              </a14:hiddenEffects>
+            </a:ext>
+          </a:extLst>
+        </p:spPr>
+      </p:pic>
     </p:spTree>
   </p:cSld>
   <p:clrMapOvr>
     <a:masterClrMapping/>
   </p:clrMapOvr>
+  <p:timing>
+    <p:tnLst>
+      <p:par>
+        <p:cTn id="1" dur="indefinite" restart="never" nodeType="tmRoot">
+          <p:childTnLst>
+            <p:seq concurrent="1" nextAc="seek">
+              <p:cTn id="2" dur="indefinite" nodeType="mainSeq">
+                <p:childTnLst>
+                  <p:par>
+                    <p:cTn id="3" fill="hold" nodeType="clickPar">
+                      <p:stCondLst>
+                        <p:cond delay="indefinite"/>
+                      </p:stCondLst>
+                      <p:childTnLst>
+                        <p:par>
+                          <p:cTn id="4" fill="hold" nodeType="withGroup">
+                            <p:stCondLst>
+                              <p:cond delay="0"/>
+                            </p:stCondLst>
+                            <p:childTnLst>
+                              <p:par>
+                                <p:cTn id="5" presetID="10" presetClass="entr" presetSubtype="0" fill="hold" nodeType="clickEffect">
+                                  <p:stCondLst>
+                                    <p:cond delay="0"/>
+                                  </p:stCondLst>
+                                  <p:childTnLst>
+                                    <p:set>
+                                      <p:cBhvr>
+                                        <p:cTn id="6" dur="1" fill="hold">
+                                          <p:stCondLst>
+                                            <p:cond delay="0"/>
+                                          </p:stCondLst>
+                                        </p:cTn>
+                                        <p:tgtEl>
+                                          <p:spTgt spid="1159171"/>
+                                        </p:tgtEl>
+                                        <p:attrNameLst>
+                                          <p:attrName>style.visibility</p:attrName>
+                                        </p:attrNameLst>
+                                      </p:cBhvr>
+                                      <p:to>
+                                        <p:strVal val="visible"/>
+                                      </p:to>
+                                    </p:set>
+                                    <p:animEffect transition="in" filter="fade">
+                                      <p:cBhvr>
+                                        <p:cTn id="7" dur="500"/>
+                                        <p:tgtEl>
+                                          <p:spTgt spid="1159171"/>
+                                        </p:tgtEl>
+                                      </p:cBhvr>
+                                    </p:animEffect>
+                                  </p:childTnLst>
+                                </p:cTn>
+                              </p:par>
+                            </p:childTnLst>
+                          </p:cTn>
+                        </p:par>
+                      </p:childTnLst>
+                    </p:cTn>
+                  </p:par>
+                </p:childTnLst>
+              </p:cTn>
+              <p:prevCondLst>
+                <p:cond evt="onPrev" delay="0">
+                  <p:tgtEl>
+                    <p:sldTgt/>
+                  </p:tgtEl>
+                </p:cond>
+              </p:prevCondLst>
+              <p:nextCondLst>
+                <p:cond evt="onNext" delay="0">
+                  <p:tgtEl>
+                    <p:sldTgt/>
+                  </p:tgtEl>
+                </p:cond>
+              </p:nextCondLst>
+            </p:seq>
+          </p:childTnLst>
+        </p:cTn>
+      </p:par>
+    </p:tnLst>
+  </p:timing>
 </p:sld>
 </file>
 
